--- a/Week 11/Week_11_EDA_Presentation.pptx
+++ b/Week 11/Week_11_EDA_Presentation.pptx
@@ -39,6 +39,7 @@
     <p:sldId id="283" r:id="rId35"/>
     <p:sldId id="284" r:id="rId36"/>
     <p:sldId id="285" r:id="rId37"/>
+    <p:sldId id="286" r:id="rId38"/>
   </p:sldIdLst>
   <p:sldSz cy="5143500" cx="9144000"/>
   <p:notesSz cx="6858000" cy="9144000"/>
@@ -3012,7 +3013,7 @@
       </p:grpSpPr>
       <p:sp>
         <p:nvSpPr>
-          <p:cNvPr id="352" name="Google Shape;352;g325a28e04e6_0_257:notes"/>
+          <p:cNvPr id="352" name="Google Shape;352;g3280bc9253b_0_0:notes"/>
           <p:cNvSpPr txBox="1"/>
           <p:nvPr>
             <p:ph idx="1" type="body"/>
@@ -3051,7 +3052,106 @@
       </p:sp>
       <p:sp>
         <p:nvSpPr>
-          <p:cNvPr id="353" name="Google Shape;353;g325a28e04e6_0_257:notes"/>
+          <p:cNvPr id="353" name="Google Shape;353;g3280bc9253b_0_0:notes"/>
+          <p:cNvSpPr/>
+          <p:nvPr>
+            <p:ph idx="2" type="sldImg"/>
+          </p:nvPr>
+        </p:nvSpPr>
+        <p:spPr>
+          <a:xfrm>
+            <a:off x="1143225" y="685800"/>
+            <a:ext cx="4572300" cy="3429000"/>
+          </a:xfrm>
+          <a:custGeom>
+            <a:rect b="b" l="l" r="r" t="t"/>
+            <a:pathLst>
+              <a:path extrusionOk="0" h="120000" w="120000">
+                <a:moveTo>
+                  <a:pt x="0" y="0"/>
+                </a:moveTo>
+                <a:lnTo>
+                  <a:pt x="120000" y="0"/>
+                </a:lnTo>
+                <a:lnTo>
+                  <a:pt x="120000" y="120000"/>
+                </a:lnTo>
+                <a:lnTo>
+                  <a:pt x="0" y="120000"/>
+                </a:lnTo>
+                <a:close/>
+              </a:path>
+            </a:pathLst>
+          </a:custGeom>
+        </p:spPr>
+      </p:sp>
+    </p:spTree>
+  </p:cSld>
+  <p:clrMapOvr>
+    <a:masterClrMapping/>
+  </p:clrMapOvr>
+</p:notes>
+</file>
+
+<file path=ppt/notesSlides/notesSlide31.xml><?xml version="1.0" encoding="utf-8"?>
+<p:notes xmlns:a="http://schemas.openxmlformats.org/drawingml/2006/main" xmlns:r="http://schemas.openxmlformats.org/officeDocument/2006/relationships" xmlns:mc="http://schemas.openxmlformats.org/markup-compatibility/2006" xmlns:mv="urn:schemas-microsoft-com:mac:vml" xmlns:p="http://schemas.openxmlformats.org/presentationml/2006/main" xmlns:c="http://schemas.openxmlformats.org/drawingml/2006/chart" xmlns:dgm="http://schemas.openxmlformats.org/drawingml/2006/diagram" xmlns:o="urn:schemas-microsoft-com:office:office" xmlns:v="urn:schemas-microsoft-com:vml" xmlns:pvml="urn:schemas-microsoft-com:office:powerpoint" xmlns:com="http://schemas.openxmlformats.org/drawingml/2006/compatibility" xmlns:p14="http://schemas.microsoft.com/office/powerpoint/2010/main" xmlns:p15="http://schemas.microsoft.com/office/powerpoint/2012/main" xmlns:ahyp="http://schemas.microsoft.com/office/drawing/2018/hyperlinkcolor" showMasterPhAnim="0" showMasterSp="0">
+  <p:cSld>
+    <p:spTree>
+      <p:nvGrpSpPr>
+        <p:cNvPr id="358" name="Shape 358"/>
+        <p:cNvGrpSpPr/>
+        <p:nvPr/>
+      </p:nvGrpSpPr>
+      <p:grpSpPr>
+        <a:xfrm>
+          <a:off x="0" y="0"/>
+          <a:ext cx="0" cy="0"/>
+          <a:chOff x="0" y="0"/>
+          <a:chExt cx="0" cy="0"/>
+        </a:xfrm>
+      </p:grpSpPr>
+      <p:sp>
+        <p:nvSpPr>
+          <p:cNvPr id="359" name="Google Shape;359;g325a28e04e6_0_257:notes"/>
+          <p:cNvSpPr txBox="1"/>
+          <p:nvPr>
+            <p:ph idx="1" type="body"/>
+          </p:nvPr>
+        </p:nvSpPr>
+        <p:spPr>
+          <a:xfrm>
+            <a:off x="685800" y="4343400"/>
+            <a:ext cx="5486400" cy="4114800"/>
+          </a:xfrm>
+          <a:prstGeom prst="rect">
+            <a:avLst/>
+          </a:prstGeom>
+        </p:spPr>
+        <p:txBody>
+          <a:bodyPr anchorCtr="0" anchor="t" bIns="91425" lIns="91425" spcFirstLastPara="1" rIns="91425" wrap="square" tIns="91425">
+            <a:noAutofit/>
+          </a:bodyPr>
+          <a:lstStyle/>
+          <a:p>
+            <a:pPr indent="0" lvl="0" marL="0" rtl="0" algn="l">
+              <a:spcBef>
+                <a:spcPts val="0"/>
+              </a:spcBef>
+              <a:spcAft>
+                <a:spcPts val="0"/>
+              </a:spcAft>
+              <a:buNone/>
+            </a:pPr>
+            <a:r>
+              <a:t/>
+            </a:r>
+            <a:endParaRPr/>
+          </a:p>
+        </p:txBody>
+      </p:sp>
+      <p:sp>
+        <p:nvSpPr>
+          <p:cNvPr id="360" name="Google Shape;360;g325a28e04e6_0_257:notes"/>
           <p:cNvSpPr/>
           <p:nvPr>
             <p:ph idx="2" type="sldImg"/>
@@ -18779,7 +18879,7 @@
             <a:tbl>
               <a:tblPr>
                 <a:noFill/>
-                <a:tableStyleId>{6EF2617F-6B56-493F-8DE6-BA6BAF6D48B3}</a:tableStyleId>
+                <a:tableStyleId>{D46A657C-8990-4C14-81D1-363C1D72FA33}</a:tableStyleId>
               </a:tblPr>
               <a:tblGrid>
                 <a:gridCol w="2518475"/>
@@ -22867,7 +22967,7 @@
             <a:tbl>
               <a:tblPr>
                 <a:noFill/>
-                <a:tableStyleId>{EEF4B154-240B-4DAC-B810-2AB4C2559EE6}</a:tableStyleId>
+                <a:tableStyleId>{25EAD83C-C667-4301-A5A3-313E1AB1F077}</a:tableStyleId>
               </a:tblPr>
               <a:tblGrid>
                 <a:gridCol w="1809750"/>
@@ -27605,6 +27705,549 @@
         </p:nvSpPr>
         <p:spPr>
           <a:xfrm>
+            <a:off x="0" y="0"/>
+            <a:ext cx="9144000" cy="915300"/>
+          </a:xfrm>
+          <a:prstGeom prst="rect">
+            <a:avLst/>
+          </a:prstGeom>
+          <a:solidFill>
+            <a:srgbClr val="3B3B3B"/>
+          </a:solidFill>
+          <a:ln>
+            <a:noFill/>
+          </a:ln>
+        </p:spPr>
+        <p:txBody>
+          <a:bodyPr anchorCtr="0" anchor="t" bIns="34275" lIns="68575" spcFirstLastPara="1" rIns="68575" wrap="square" tIns="34275">
+            <a:normAutofit/>
+          </a:bodyPr>
+          <a:lstStyle/>
+          <a:p>
+            <a:pPr indent="0" lvl="0" marL="0" rtl="0" algn="ctr">
+              <a:lnSpc>
+                <a:spcPct val="90000"/>
+              </a:lnSpc>
+              <a:spcBef>
+                <a:spcPts val="0"/>
+              </a:spcBef>
+              <a:spcAft>
+                <a:spcPts val="0"/>
+              </a:spcAft>
+              <a:buClr>
+                <a:srgbClr val="FF6600"/>
+              </a:buClr>
+              <a:buSzPts val="4500"/>
+              <a:buFont typeface="Arial"/>
+              <a:buNone/>
+            </a:pPr>
+            <a:r>
+              <a:rPr b="1" lang="en" sz="1500">
+                <a:solidFill>
+                  <a:srgbClr val="FF6600"/>
+                </a:solidFill>
+                <a:latin typeface="Times New Roman"/>
+                <a:ea typeface="Times New Roman"/>
+                <a:cs typeface="Times New Roman"/>
+                <a:sym typeface="Times New Roman"/>
+              </a:rPr>
+              <a:t>Data Information</a:t>
+            </a:r>
+            <a:endParaRPr sz="1500">
+              <a:latin typeface="Times New Roman"/>
+              <a:ea typeface="Times New Roman"/>
+              <a:cs typeface="Times New Roman"/>
+              <a:sym typeface="Times New Roman"/>
+            </a:endParaRPr>
+          </a:p>
+        </p:txBody>
+      </p:sp>
+      <p:sp>
+        <p:nvSpPr>
+          <p:cNvPr id="356" name="Google Shape;356;p54"/>
+          <p:cNvSpPr txBox="1"/>
+          <p:nvPr>
+            <p:ph type="ctrTitle"/>
+          </p:nvPr>
+        </p:nvSpPr>
+        <p:spPr>
+          <a:xfrm>
+            <a:off x="0" y="0"/>
+            <a:ext cx="9144000" cy="711900"/>
+          </a:xfrm>
+          <a:prstGeom prst="rect">
+            <a:avLst/>
+          </a:prstGeom>
+          <a:solidFill>
+            <a:srgbClr val="3B3B3B"/>
+          </a:solidFill>
+          <a:ln>
+            <a:noFill/>
+          </a:ln>
+        </p:spPr>
+        <p:txBody>
+          <a:bodyPr anchorCtr="0" anchor="t" bIns="34275" lIns="68575" spcFirstLastPara="1" rIns="68575" wrap="square" tIns="34275">
+            <a:normAutofit/>
+          </a:bodyPr>
+          <a:lstStyle/>
+          <a:p>
+            <a:pPr indent="0" lvl="0" marL="0" rtl="0" algn="ctr">
+              <a:lnSpc>
+                <a:spcPct val="90000"/>
+              </a:lnSpc>
+              <a:spcBef>
+                <a:spcPts val="0"/>
+              </a:spcBef>
+              <a:spcAft>
+                <a:spcPts val="0"/>
+              </a:spcAft>
+              <a:buClr>
+                <a:srgbClr val="FF6600"/>
+              </a:buClr>
+              <a:buSzPts val="4500"/>
+              <a:buFont typeface="Arial"/>
+              <a:buNone/>
+            </a:pPr>
+            <a:r>
+              <a:rPr b="1" lang="en" sz="3500">
+                <a:solidFill>
+                  <a:srgbClr val="FF6600"/>
+                </a:solidFill>
+                <a:latin typeface="Times New Roman"/>
+                <a:ea typeface="Times New Roman"/>
+                <a:cs typeface="Times New Roman"/>
+                <a:sym typeface="Times New Roman"/>
+              </a:rPr>
+              <a:t>Exploratory Data Analysis (EDA)</a:t>
+            </a:r>
+            <a:endParaRPr sz="3500">
+              <a:latin typeface="Times New Roman"/>
+              <a:ea typeface="Times New Roman"/>
+              <a:cs typeface="Times New Roman"/>
+              <a:sym typeface="Times New Roman"/>
+            </a:endParaRPr>
+          </a:p>
+        </p:txBody>
+      </p:sp>
+      <p:sp>
+        <p:nvSpPr>
+          <p:cNvPr id="357" name="Google Shape;357;p54"/>
+          <p:cNvSpPr txBox="1"/>
+          <p:nvPr/>
+        </p:nvSpPr>
+        <p:spPr>
+          <a:xfrm>
+            <a:off x="0" y="1143000"/>
+            <a:ext cx="9144000" cy="3478800"/>
+          </a:xfrm>
+          <a:prstGeom prst="rect">
+            <a:avLst/>
+          </a:prstGeom>
+          <a:noFill/>
+          <a:ln>
+            <a:noFill/>
+          </a:ln>
+        </p:spPr>
+        <p:txBody>
+          <a:bodyPr anchorCtr="0" anchor="t" bIns="91425" lIns="91425" spcFirstLastPara="1" rIns="91425" wrap="square" tIns="91425">
+            <a:spAutoFit/>
+          </a:bodyPr>
+          <a:lstStyle/>
+          <a:p>
+            <a:pPr indent="0" lvl="0" marL="0" rtl="0" algn="l">
+              <a:lnSpc>
+                <a:spcPct val="115000"/>
+              </a:lnSpc>
+              <a:spcBef>
+                <a:spcPts val="0"/>
+              </a:spcBef>
+              <a:spcAft>
+                <a:spcPts val="0"/>
+              </a:spcAft>
+              <a:buNone/>
+            </a:pPr>
+            <a:r>
+              <a:rPr b="1" lang="en" sz="2000" u="sng">
+                <a:solidFill>
+                  <a:schemeClr val="dk1"/>
+                </a:solidFill>
+                <a:latin typeface="Times New Roman"/>
+                <a:ea typeface="Times New Roman"/>
+                <a:cs typeface="Times New Roman"/>
+                <a:sym typeface="Times New Roman"/>
+              </a:rPr>
+              <a:t>Recommended models for this datasets:</a:t>
+            </a:r>
+            <a:endParaRPr sz="2000">
+              <a:solidFill>
+                <a:schemeClr val="dk1"/>
+              </a:solidFill>
+              <a:latin typeface="Times New Roman"/>
+              <a:ea typeface="Times New Roman"/>
+              <a:cs typeface="Times New Roman"/>
+              <a:sym typeface="Times New Roman"/>
+            </a:endParaRPr>
+          </a:p>
+          <a:p>
+            <a:pPr indent="-355600" lvl="0" marL="457200" rtl="0" algn="l">
+              <a:lnSpc>
+                <a:spcPct val="115000"/>
+              </a:lnSpc>
+              <a:spcBef>
+                <a:spcPts val="1200"/>
+              </a:spcBef>
+              <a:spcAft>
+                <a:spcPts val="0"/>
+              </a:spcAft>
+              <a:buClr>
+                <a:schemeClr val="dk1"/>
+              </a:buClr>
+              <a:buSzPts val="2000"/>
+              <a:buChar char="●"/>
+            </a:pPr>
+            <a:r>
+              <a:rPr b="1" lang="en" sz="2000">
+                <a:solidFill>
+                  <a:schemeClr val="dk1"/>
+                </a:solidFill>
+                <a:latin typeface="Times New Roman"/>
+                <a:ea typeface="Times New Roman"/>
+                <a:cs typeface="Times New Roman"/>
+                <a:sym typeface="Times New Roman"/>
+              </a:rPr>
+              <a:t>Logistic Regression</a:t>
+            </a:r>
+            <a:r>
+              <a:rPr lang="en" sz="2000">
+                <a:solidFill>
+                  <a:schemeClr val="dk1"/>
+                </a:solidFill>
+                <a:latin typeface="Times New Roman"/>
+                <a:ea typeface="Times New Roman"/>
+                <a:cs typeface="Times New Roman"/>
+                <a:sym typeface="Times New Roman"/>
+              </a:rPr>
+              <a:t>: </a:t>
+            </a:r>
+            <a:endParaRPr sz="2000">
+              <a:solidFill>
+                <a:schemeClr val="dk1"/>
+              </a:solidFill>
+              <a:latin typeface="Times New Roman"/>
+              <a:ea typeface="Times New Roman"/>
+              <a:cs typeface="Times New Roman"/>
+              <a:sym typeface="Times New Roman"/>
+            </a:endParaRPr>
+          </a:p>
+          <a:p>
+            <a:pPr indent="-355600" lvl="1" marL="914400" rtl="0" algn="l">
+              <a:lnSpc>
+                <a:spcPct val="115000"/>
+              </a:lnSpc>
+              <a:spcBef>
+                <a:spcPts val="0"/>
+              </a:spcBef>
+              <a:spcAft>
+                <a:spcPts val="0"/>
+              </a:spcAft>
+              <a:buClr>
+                <a:schemeClr val="dk1"/>
+              </a:buClr>
+              <a:buSzPts val="2000"/>
+              <a:buFont typeface="Times New Roman"/>
+              <a:buAutoNum type="alphaLcPeriod"/>
+            </a:pPr>
+            <a:r>
+              <a:rPr lang="en" sz="2000">
+                <a:solidFill>
+                  <a:schemeClr val="dk1"/>
+                </a:solidFill>
+                <a:latin typeface="Times New Roman"/>
+                <a:ea typeface="Times New Roman"/>
+                <a:cs typeface="Times New Roman"/>
+                <a:sym typeface="Times New Roman"/>
+              </a:rPr>
+              <a:t>For binary classification.</a:t>
+            </a:r>
+            <a:endParaRPr sz="2000">
+              <a:solidFill>
+                <a:schemeClr val="dk1"/>
+              </a:solidFill>
+              <a:latin typeface="Times New Roman"/>
+              <a:ea typeface="Times New Roman"/>
+              <a:cs typeface="Times New Roman"/>
+              <a:sym typeface="Times New Roman"/>
+            </a:endParaRPr>
+          </a:p>
+          <a:p>
+            <a:pPr indent="-355600" lvl="0" marL="457200" rtl="0" algn="l">
+              <a:lnSpc>
+                <a:spcPct val="115000"/>
+              </a:lnSpc>
+              <a:spcBef>
+                <a:spcPts val="0"/>
+              </a:spcBef>
+              <a:spcAft>
+                <a:spcPts val="0"/>
+              </a:spcAft>
+              <a:buClr>
+                <a:schemeClr val="dk1"/>
+              </a:buClr>
+              <a:buSzPts val="2000"/>
+              <a:buChar char="●"/>
+            </a:pPr>
+            <a:r>
+              <a:rPr b="1" lang="en" sz="2000">
+                <a:solidFill>
+                  <a:schemeClr val="dk1"/>
+                </a:solidFill>
+                <a:latin typeface="Times New Roman"/>
+                <a:ea typeface="Times New Roman"/>
+                <a:cs typeface="Times New Roman"/>
+                <a:sym typeface="Times New Roman"/>
+              </a:rPr>
+              <a:t>Decision Trees</a:t>
+            </a:r>
+            <a:r>
+              <a:rPr lang="en" sz="2000">
+                <a:solidFill>
+                  <a:schemeClr val="dk1"/>
+                </a:solidFill>
+                <a:latin typeface="Times New Roman"/>
+                <a:ea typeface="Times New Roman"/>
+                <a:cs typeface="Times New Roman"/>
+                <a:sym typeface="Times New Roman"/>
+              </a:rPr>
+              <a:t>: </a:t>
+            </a:r>
+            <a:endParaRPr sz="2000">
+              <a:solidFill>
+                <a:schemeClr val="dk1"/>
+              </a:solidFill>
+              <a:latin typeface="Times New Roman"/>
+              <a:ea typeface="Times New Roman"/>
+              <a:cs typeface="Times New Roman"/>
+              <a:sym typeface="Times New Roman"/>
+            </a:endParaRPr>
+          </a:p>
+          <a:p>
+            <a:pPr indent="-355600" lvl="1" marL="914400" rtl="0" algn="l">
+              <a:lnSpc>
+                <a:spcPct val="115000"/>
+              </a:lnSpc>
+              <a:spcBef>
+                <a:spcPts val="0"/>
+              </a:spcBef>
+              <a:spcAft>
+                <a:spcPts val="0"/>
+              </a:spcAft>
+              <a:buClr>
+                <a:schemeClr val="dk1"/>
+              </a:buClr>
+              <a:buSzPts val="2000"/>
+              <a:buFont typeface="Times New Roman"/>
+              <a:buAutoNum type="alphaLcPeriod"/>
+            </a:pPr>
+            <a:r>
+              <a:rPr lang="en" sz="2000">
+                <a:solidFill>
+                  <a:schemeClr val="dk1"/>
+                </a:solidFill>
+                <a:latin typeface="Times New Roman"/>
+                <a:ea typeface="Times New Roman"/>
+                <a:cs typeface="Times New Roman"/>
+                <a:sym typeface="Times New Roman"/>
+              </a:rPr>
+              <a:t>Easy to interpret and handle categorical variables directly.</a:t>
+            </a:r>
+            <a:endParaRPr sz="2000">
+              <a:solidFill>
+                <a:schemeClr val="dk1"/>
+              </a:solidFill>
+              <a:latin typeface="Times New Roman"/>
+              <a:ea typeface="Times New Roman"/>
+              <a:cs typeface="Times New Roman"/>
+              <a:sym typeface="Times New Roman"/>
+            </a:endParaRPr>
+          </a:p>
+          <a:p>
+            <a:pPr indent="-355600" lvl="0" marL="457200" rtl="0" algn="l">
+              <a:lnSpc>
+                <a:spcPct val="115000"/>
+              </a:lnSpc>
+              <a:spcBef>
+                <a:spcPts val="0"/>
+              </a:spcBef>
+              <a:spcAft>
+                <a:spcPts val="0"/>
+              </a:spcAft>
+              <a:buClr>
+                <a:schemeClr val="dk1"/>
+              </a:buClr>
+              <a:buSzPts val="2000"/>
+              <a:buChar char="●"/>
+            </a:pPr>
+            <a:r>
+              <a:rPr b="1" lang="en" sz="2000">
+                <a:solidFill>
+                  <a:schemeClr val="dk1"/>
+                </a:solidFill>
+                <a:latin typeface="Times New Roman"/>
+                <a:ea typeface="Times New Roman"/>
+                <a:cs typeface="Times New Roman"/>
+                <a:sym typeface="Times New Roman"/>
+              </a:rPr>
+              <a:t>Random Forest</a:t>
+            </a:r>
+            <a:r>
+              <a:rPr lang="en" sz="2000">
+                <a:solidFill>
+                  <a:schemeClr val="dk1"/>
+                </a:solidFill>
+                <a:latin typeface="Times New Roman"/>
+                <a:ea typeface="Times New Roman"/>
+                <a:cs typeface="Times New Roman"/>
+                <a:sym typeface="Times New Roman"/>
+              </a:rPr>
+              <a:t>: </a:t>
+            </a:r>
+            <a:endParaRPr sz="2000">
+              <a:solidFill>
+                <a:schemeClr val="dk1"/>
+              </a:solidFill>
+              <a:latin typeface="Times New Roman"/>
+              <a:ea typeface="Times New Roman"/>
+              <a:cs typeface="Times New Roman"/>
+              <a:sym typeface="Times New Roman"/>
+            </a:endParaRPr>
+          </a:p>
+          <a:p>
+            <a:pPr indent="-355600" lvl="1" marL="914400" rtl="0" algn="l">
+              <a:lnSpc>
+                <a:spcPct val="115000"/>
+              </a:lnSpc>
+              <a:spcBef>
+                <a:spcPts val="0"/>
+              </a:spcBef>
+              <a:spcAft>
+                <a:spcPts val="0"/>
+              </a:spcAft>
+              <a:buClr>
+                <a:schemeClr val="dk1"/>
+              </a:buClr>
+              <a:buSzPts val="2000"/>
+              <a:buFont typeface="Times New Roman"/>
+              <a:buChar char="○"/>
+            </a:pPr>
+            <a:r>
+              <a:rPr lang="en" sz="2000">
+                <a:solidFill>
+                  <a:schemeClr val="dk1"/>
+                </a:solidFill>
+                <a:latin typeface="Times New Roman"/>
+                <a:ea typeface="Times New Roman"/>
+                <a:cs typeface="Times New Roman"/>
+                <a:sym typeface="Times New Roman"/>
+              </a:rPr>
+              <a:t>Robust and simple, handling mixed data types well.</a:t>
+            </a:r>
+            <a:endParaRPr sz="2000">
+              <a:solidFill>
+                <a:schemeClr val="dk1"/>
+              </a:solidFill>
+              <a:latin typeface="Times New Roman"/>
+              <a:ea typeface="Times New Roman"/>
+              <a:cs typeface="Times New Roman"/>
+              <a:sym typeface="Times New Roman"/>
+            </a:endParaRPr>
+          </a:p>
+          <a:p>
+            <a:pPr indent="-355600" lvl="2" marL="1371600" rtl="0" algn="l">
+              <a:lnSpc>
+                <a:spcPct val="115000"/>
+              </a:lnSpc>
+              <a:spcBef>
+                <a:spcPts val="0"/>
+              </a:spcBef>
+              <a:spcAft>
+                <a:spcPts val="0"/>
+              </a:spcAft>
+              <a:buClr>
+                <a:schemeClr val="dk1"/>
+              </a:buClr>
+              <a:buSzPts val="2000"/>
+              <a:buAutoNum type="romanLcPeriod"/>
+            </a:pPr>
+            <a:r>
+              <a:rPr lang="en" sz="2000">
+                <a:solidFill>
+                  <a:schemeClr val="dk1"/>
+                </a:solidFill>
+                <a:latin typeface="Times New Roman"/>
+                <a:ea typeface="Times New Roman"/>
+                <a:cs typeface="Times New Roman"/>
+                <a:sym typeface="Times New Roman"/>
+              </a:rPr>
+              <a:t>We will probably look into random forest more so than decision trees</a:t>
+            </a:r>
+            <a:br>
+              <a:rPr b="1" lang="en" sz="2000" u="sng">
+                <a:solidFill>
+                  <a:schemeClr val="dk1"/>
+                </a:solidFill>
+                <a:latin typeface="Times New Roman"/>
+                <a:ea typeface="Times New Roman"/>
+                <a:cs typeface="Times New Roman"/>
+                <a:sym typeface="Times New Roman"/>
+              </a:rPr>
+            </a:br>
+            <a:endParaRPr b="1" sz="2000" u="sng">
+              <a:solidFill>
+                <a:schemeClr val="dk1"/>
+              </a:solidFill>
+              <a:latin typeface="Times New Roman"/>
+              <a:ea typeface="Times New Roman"/>
+              <a:cs typeface="Times New Roman"/>
+              <a:sym typeface="Times New Roman"/>
+            </a:endParaRPr>
+          </a:p>
+        </p:txBody>
+      </p:sp>
+    </p:spTree>
+  </p:cSld>
+  <p:clrMapOvr>
+    <a:masterClrMapping/>
+  </p:clrMapOvr>
+</p:sld>
+</file>
+
+<file path=ppt/slides/slide31.xml><?xml version="1.0" encoding="utf-8"?>
+<p:sld xmlns:a="http://schemas.openxmlformats.org/drawingml/2006/main" xmlns:r="http://schemas.openxmlformats.org/officeDocument/2006/relationships" xmlns:mc="http://schemas.openxmlformats.org/markup-compatibility/2006" xmlns:mv="urn:schemas-microsoft-com:mac:vml" xmlns:p="http://schemas.openxmlformats.org/presentationml/2006/main" xmlns:c="http://schemas.openxmlformats.org/drawingml/2006/chart" xmlns:dgm="http://schemas.openxmlformats.org/drawingml/2006/diagram" xmlns:o="urn:schemas-microsoft-com:office:office" xmlns:v="urn:schemas-microsoft-com:vml" xmlns:pvml="urn:schemas-microsoft-com:office:powerpoint" xmlns:com="http://schemas.openxmlformats.org/drawingml/2006/compatibility" xmlns:p14="http://schemas.microsoft.com/office/powerpoint/2010/main" xmlns:p15="http://schemas.microsoft.com/office/powerpoint/2012/main" xmlns:ahyp="http://schemas.microsoft.com/office/drawing/2018/hyperlinkcolor">
+  <p:cSld>
+    <p:spTree>
+      <p:nvGrpSpPr>
+        <p:cNvPr id="361" name="Shape 361"/>
+        <p:cNvGrpSpPr/>
+        <p:nvPr/>
+      </p:nvGrpSpPr>
+      <p:grpSpPr>
+        <a:xfrm>
+          <a:off x="0" y="0"/>
+          <a:ext cx="0" cy="0"/>
+          <a:chOff x="0" y="0"/>
+          <a:chExt cx="0" cy="0"/>
+        </a:xfrm>
+      </p:grpSpPr>
+      <p:sp>
+        <p:nvSpPr>
+          <p:cNvPr id="362" name="Google Shape;362;p55"/>
+          <p:cNvSpPr txBox="1"/>
+          <p:nvPr>
+            <p:ph type="ctrTitle"/>
+          </p:nvPr>
+        </p:nvSpPr>
+        <p:spPr>
+          <a:xfrm>
             <a:off x="-1" y="0"/>
             <a:ext cx="4299900" cy="5143500"/>
           </a:xfrm>
@@ -27654,7 +28297,7 @@
       </p:sp>
       <p:pic>
         <p:nvPicPr>
-          <p:cNvPr id="356" name="Google Shape;356;p54"/>
+          <p:cNvPr id="363" name="Google Shape;363;p55"/>
           <p:cNvPicPr preferRelativeResize="0"/>
           <p:nvPr/>
         </p:nvPicPr>
@@ -27681,7 +28324,7 @@
       </p:pic>
       <p:sp>
         <p:nvSpPr>
-          <p:cNvPr id="357" name="Google Shape;357;p54"/>
+          <p:cNvPr id="364" name="Google Shape;364;p55"/>
           <p:cNvSpPr txBox="1"/>
           <p:nvPr>
             <p:ph idx="1" type="subTitle"/>
@@ -28457,7 +29100,7 @@
             <a:tbl>
               <a:tblPr bandRow="1">
                 <a:noFill/>
-                <a:tableStyleId>{F60E1147-0B75-40EF-AD0E-846B5982325A}</a:tableStyleId>
+                <a:tableStyleId>{F7E91192-B954-4103-8A98-7911E58F10ED}</a:tableStyleId>
               </a:tblPr>
               <a:tblGrid>
                 <a:gridCol w="3670025"/>
@@ -28914,7 +29557,7 @@
             <a:tbl>
               <a:tblPr>
                 <a:noFill/>
-                <a:tableStyleId>{6EF2617F-6B56-493F-8DE6-BA6BAF6D48B3}</a:tableStyleId>
+                <a:tableStyleId>{D46A657C-8990-4C14-81D1-363C1D72FA33}</a:tableStyleId>
               </a:tblPr>
               <a:tblGrid>
                 <a:gridCol w="1600200"/>
@@ -29196,7 +29839,7 @@
             <a:tbl>
               <a:tblPr>
                 <a:noFill/>
-                <a:tableStyleId>{6EF2617F-6B56-493F-8DE6-BA6BAF6D48B3}</a:tableStyleId>
+                <a:tableStyleId>{D46A657C-8990-4C14-81D1-363C1D72FA33}</a:tableStyleId>
               </a:tblPr>
               <a:tblGrid>
                 <a:gridCol w="1600200"/>
@@ -30005,7 +30648,7 @@
             <a:tbl>
               <a:tblPr>
                 <a:noFill/>
-                <a:tableStyleId>{6EF2617F-6B56-493F-8DE6-BA6BAF6D48B3}</a:tableStyleId>
+                <a:tableStyleId>{D46A657C-8990-4C14-81D1-363C1D72FA33}</a:tableStyleId>
               </a:tblPr>
               <a:tblGrid>
                 <a:gridCol w="1600200"/>
@@ -31175,7 +31818,7 @@
             <a:tbl>
               <a:tblPr>
                 <a:noFill/>
-                <a:tableStyleId>{6EF2617F-6B56-493F-8DE6-BA6BAF6D48B3}</a:tableStyleId>
+                <a:tableStyleId>{D46A657C-8990-4C14-81D1-363C1D72FA33}</a:tableStyleId>
               </a:tblPr>
               <a:tblGrid>
                 <a:gridCol w="2600325"/>
@@ -31802,7 +32445,7 @@
             <a:tbl>
               <a:tblPr>
                 <a:noFill/>
-                <a:tableStyleId>{6EF2617F-6B56-493F-8DE6-BA6BAF6D48B3}</a:tableStyleId>
+                <a:tableStyleId>{D46A657C-8990-4C14-81D1-363C1D72FA33}</a:tableStyleId>
               </a:tblPr>
               <a:tblGrid>
                 <a:gridCol w="2600325"/>
@@ -31993,9 +32636,9 @@
 </file>
 
 <file path=ppt/theme/theme1.xml><?xml version="1.0" encoding="utf-8"?>
-<a:theme xmlns:a="http://schemas.openxmlformats.org/drawingml/2006/main" xmlns:r="http://schemas.openxmlformats.org/officeDocument/2006/relationships" name="Simple Light">
+<a:theme xmlns:a="http://schemas.openxmlformats.org/drawingml/2006/main" xmlns:r="http://schemas.openxmlformats.org/officeDocument/2006/relationships">
   <a:themeElements>
-    <a:clrScheme name="Simple Light">
+    <a:clrScheme name="Default">
       <a:dk1>
         <a:srgbClr val="000000"/>
       </a:dk1>
@@ -32003,34 +32646,34 @@
         <a:srgbClr val="FFFFFF"/>
       </a:lt1>
       <a:dk2>
-        <a:srgbClr val="595959"/>
+        <a:srgbClr val="158158"/>
       </a:dk2>
       <a:lt2>
-        <a:srgbClr val="EEEEEE"/>
+        <a:srgbClr val="F3F3F3"/>
       </a:lt2>
       <a:accent1>
-        <a:srgbClr val="4285F4"/>
+        <a:srgbClr val="058DC7"/>
       </a:accent1>
       <a:accent2>
-        <a:srgbClr val="212121"/>
+        <a:srgbClr val="50B432"/>
       </a:accent2>
       <a:accent3>
-        <a:srgbClr val="78909C"/>
+        <a:srgbClr val="ED561B"/>
       </a:accent3>
       <a:accent4>
-        <a:srgbClr val="FFAB40"/>
+        <a:srgbClr val="EDEF00"/>
       </a:accent4>
       <a:accent5>
-        <a:srgbClr val="0097A7"/>
+        <a:srgbClr val="24CBE5"/>
       </a:accent5>
       <a:accent6>
-        <a:srgbClr val="EEFF41"/>
+        <a:srgbClr val="64E572"/>
       </a:accent6>
       <a:hlink>
-        <a:srgbClr val="0097A7"/>
+        <a:srgbClr val="2200CC"/>
       </a:hlink>
       <a:folHlink>
-        <a:srgbClr val="0097A7"/>
+        <a:srgbClr val="551A8B"/>
       </a:folHlink>
     </a:clrScheme>
     <a:fontScheme name="Office">
@@ -32551,9 +33194,9 @@
 </file>
 
 <file path=ppt/theme/theme3.xml><?xml version="1.0" encoding="utf-8"?>
-<a:theme xmlns:a="http://schemas.openxmlformats.org/drawingml/2006/main" xmlns:r="http://schemas.openxmlformats.org/officeDocument/2006/relationships">
+<a:theme xmlns:a="http://schemas.openxmlformats.org/drawingml/2006/main" xmlns:r="http://schemas.openxmlformats.org/officeDocument/2006/relationships" name="Simple Light">
   <a:themeElements>
-    <a:clrScheme name="Default">
+    <a:clrScheme name="Simple Light">
       <a:dk1>
         <a:srgbClr val="000000"/>
       </a:dk1>
@@ -32561,34 +33204,34 @@
         <a:srgbClr val="FFFFFF"/>
       </a:lt1>
       <a:dk2>
-        <a:srgbClr val="158158"/>
+        <a:srgbClr val="595959"/>
       </a:dk2>
       <a:lt2>
-        <a:srgbClr val="F3F3F3"/>
+        <a:srgbClr val="EEEEEE"/>
       </a:lt2>
       <a:accent1>
-        <a:srgbClr val="058DC7"/>
+        <a:srgbClr val="4285F4"/>
       </a:accent1>
       <a:accent2>
-        <a:srgbClr val="50B432"/>
+        <a:srgbClr val="212121"/>
       </a:accent2>
       <a:accent3>
-        <a:srgbClr val="ED561B"/>
+        <a:srgbClr val="78909C"/>
       </a:accent3>
       <a:accent4>
-        <a:srgbClr val="EDEF00"/>
+        <a:srgbClr val="FFAB40"/>
       </a:accent4>
       <a:accent5>
-        <a:srgbClr val="24CBE5"/>
+        <a:srgbClr val="0097A7"/>
       </a:accent5>
       <a:accent6>
-        <a:srgbClr val="64E572"/>
+        <a:srgbClr val="EEFF41"/>
       </a:accent6>
       <a:hlink>
-        <a:srgbClr val="2200CC"/>
+        <a:srgbClr val="0097A7"/>
       </a:hlink>
       <a:folHlink>
-        <a:srgbClr val="551A8B"/>
+        <a:srgbClr val="0097A7"/>
       </a:folHlink>
     </a:clrScheme>
     <a:fontScheme name="Office">
